--- a/Service Desk Manual PRESENT.pptx
+++ b/Service Desk Manual PRESENT.pptx
@@ -5,7 +5,7 @@
     <p:sldMasterId id="2147483660" r:id="rId1"/>
   </p:sldMasterIdLst>
   <p:notesMasterIdLst>
-    <p:notesMasterId r:id="rId15"/>
+    <p:notesMasterId r:id="rId16"/>
   </p:notesMasterIdLst>
   <p:sldIdLst>
     <p:sldId id="256" r:id="rId2"/>
@@ -21,6 +21,7 @@
     <p:sldId id="271" r:id="rId12"/>
     <p:sldId id="272" r:id="rId13"/>
     <p:sldId id="273" r:id="rId14"/>
+    <p:sldId id="274" r:id="rId15"/>
   </p:sldIdLst>
   <p:sldSz cx="9144000" cy="5143500" type="screen16x9"/>
   <p:notesSz cx="6858000" cy="9144000"/>
@@ -119,6 +120,11 @@
       </a:defRPr>
     </a:lvl9pPr>
   </p:defaultTextStyle>
+  <p:extLst>
+    <p:ext uri="{EFAFB233-063F-42B5-8137-9DF3F51BA10A}">
+      <p15:sldGuideLst xmlns:p15="http://schemas.microsoft.com/office/powerpoint/2012/main"/>
+    </p:ext>
+  </p:extLst>
 </p:presentation>
 </file>
 
@@ -7234,6 +7240,114 @@
 </p:sld>
 </file>
 
+<file path=ppt/slides/slide14.xml><?xml version="1.0" encoding="utf-8"?>
+<p:sld xmlns:a="http://schemas.openxmlformats.org/drawingml/2006/main" xmlns:r="http://schemas.openxmlformats.org/officeDocument/2006/relationships" xmlns:p="http://schemas.openxmlformats.org/presentationml/2006/main">
+  <p:cSld>
+    <p:spTree>
+      <p:nvGrpSpPr>
+        <p:cNvPr id="1" name=""/>
+        <p:cNvGrpSpPr/>
+        <p:nvPr/>
+      </p:nvGrpSpPr>
+      <p:grpSpPr>
+        <a:xfrm>
+          <a:off x="0" y="0"/>
+          <a:ext cx="0" cy="0"/>
+          <a:chOff x="0" y="0"/>
+          <a:chExt cx="0" cy="0"/>
+        </a:xfrm>
+      </p:grpSpPr>
+      <p:sp>
+        <p:nvSpPr>
+          <p:cNvPr id="2" name="Title 1"/>
+          <p:cNvSpPr>
+            <a:spLocks noGrp="1"/>
+          </p:cNvSpPr>
+          <p:nvPr>
+            <p:ph type="title"/>
+          </p:nvPr>
+        </p:nvSpPr>
+        <p:spPr/>
+        <p:txBody>
+          <a:bodyPr/>
+          <a:lstStyle/>
+          <a:p>
+            <a:r>
+              <a:rPr lang="en-US" dirty="0" smtClean="0">
+                <a:latin typeface="Times New Roman" panose="02020603050405020304" pitchFamily="18" charset="0"/>
+                <a:cs typeface="Times New Roman" panose="02020603050405020304" pitchFamily="18" charset="0"/>
+              </a:rPr>
+              <a:t>What We Learned</a:t>
+            </a:r>
+            <a:endParaRPr lang="en-US" dirty="0">
+              <a:latin typeface="Times New Roman" panose="02020603050405020304" pitchFamily="18" charset="0"/>
+              <a:cs typeface="Times New Roman" panose="02020603050405020304" pitchFamily="18" charset="0"/>
+            </a:endParaRPr>
+          </a:p>
+        </p:txBody>
+      </p:sp>
+      <p:sp>
+        <p:nvSpPr>
+          <p:cNvPr id="3" name="Content Placeholder 2"/>
+          <p:cNvSpPr>
+            <a:spLocks noGrp="1"/>
+          </p:cNvSpPr>
+          <p:nvPr>
+            <p:ph idx="1"/>
+          </p:nvPr>
+        </p:nvSpPr>
+        <p:spPr/>
+        <p:txBody>
+          <a:bodyPr/>
+          <a:lstStyle/>
+          <a:p>
+            <a:r>
+              <a:rPr lang="en-US" dirty="0" smtClean="0">
+                <a:latin typeface="Times New Roman" panose="02020603050405020304" pitchFamily="18" charset="0"/>
+                <a:cs typeface="Times New Roman" panose="02020603050405020304" pitchFamily="18" charset="0"/>
+              </a:rPr>
+              <a:t>Always have to keep the customer in mind. Everything we do is to make sure they are satisfied (unless they have some unrealistic standards)</a:t>
+            </a:r>
+          </a:p>
+          <a:p>
+            <a:r>
+              <a:rPr lang="en-US" dirty="0" smtClean="0">
+                <a:latin typeface="Times New Roman" panose="02020603050405020304" pitchFamily="18" charset="0"/>
+                <a:cs typeface="Times New Roman" panose="02020603050405020304" pitchFamily="18" charset="0"/>
+              </a:rPr>
+              <a:t>Takes a lot of thought and consideration to run your own service desk</a:t>
+            </a:r>
+          </a:p>
+          <a:p>
+            <a:endParaRPr lang="en-US">
+              <a:latin typeface="Times New Roman" panose="02020603050405020304" pitchFamily="18" charset="0"/>
+              <a:cs typeface="Times New Roman" panose="02020603050405020304" pitchFamily="18" charset="0"/>
+            </a:endParaRPr>
+          </a:p>
+          <a:p>
+            <a:pPr marL="0" indent="0">
+              <a:buNone/>
+            </a:pPr>
+            <a:endParaRPr lang="en-US" dirty="0">
+              <a:latin typeface="Times New Roman" panose="02020603050405020304" pitchFamily="18" charset="0"/>
+              <a:cs typeface="Times New Roman" panose="02020603050405020304" pitchFamily="18" charset="0"/>
+            </a:endParaRPr>
+          </a:p>
+        </p:txBody>
+      </p:sp>
+    </p:spTree>
+    <p:extLst>
+      <p:ext uri="{BB962C8B-B14F-4D97-AF65-F5344CB8AC3E}">
+        <p14:creationId xmlns:p14="http://schemas.microsoft.com/office/powerpoint/2010/main" val="634019677"/>
+      </p:ext>
+    </p:extLst>
+  </p:cSld>
+  <p:clrMapOvr>
+    <a:masterClrMapping/>
+  </p:clrMapOvr>
+</p:sld>
+</file>
+
 <file path=ppt/slides/slide2.xml><?xml version="1.0" encoding="utf-8"?>
 <p:sld xmlns:a="http://schemas.openxmlformats.org/drawingml/2006/main" xmlns:r="http://schemas.openxmlformats.org/officeDocument/2006/relationships" xmlns:p="http://schemas.openxmlformats.org/presentationml/2006/main">
   <p:cSld>
@@ -8495,7 +8609,7 @@
               <a:buNone/>
             </a:pPr>
             <a:r>
-              <a:rPr lang="en" sz="1200" dirty="0">
+              <a:rPr lang="en" sz="1400" dirty="0">
                 <a:solidFill>
                   <a:srgbClr val="000000"/>
                 </a:solidFill>
@@ -8507,7 +8621,7 @@
               <a:t>Email and internet extensions are assigned to an employee’s computer for the </a:t>
             </a:r>
             <a:r>
-              <a:rPr lang="en" sz="1200" b="1" dirty="0">
+              <a:rPr lang="en" sz="1400" b="1" dirty="0">
                 <a:solidFill>
                   <a:srgbClr val="000000"/>
                 </a:solidFill>
@@ -8519,7 +8633,7 @@
               <a:t>sole purpose of conducting company business</a:t>
             </a:r>
             <a:r>
-              <a:rPr lang="en" sz="1200" dirty="0">
+              <a:rPr lang="en" sz="1400" dirty="0">
                 <a:solidFill>
                   <a:srgbClr val="000000"/>
                 </a:solidFill>
@@ -8531,7 +8645,7 @@
               <a:t>. Some assignments and responsibilities at the help desk require access to the internet and email. Only technicians that are appropriately authorized, for company purposes, may use the internet to access and download any needed, additional software</a:t>
             </a:r>
             <a:r>
-              <a:rPr lang="en" sz="1200" dirty="0" smtClean="0">
+              <a:rPr lang="en" sz="1400" dirty="0" smtClean="0">
                 <a:solidFill>
                   <a:srgbClr val="000000"/>
                 </a:solidFill>
@@ -8555,7 +8669,7 @@
               <a:buFont typeface="Arial"/>
               <a:buNone/>
             </a:pPr>
-            <a:endParaRPr lang="en" sz="1200" dirty="0">
+            <a:endParaRPr lang="en" sz="1400" dirty="0">
               <a:solidFill>
                 <a:srgbClr val="000000"/>
               </a:solidFill>
@@ -8573,7 +8687,7 @@
               <a:buNone/>
             </a:pPr>
             <a:r>
-              <a:rPr lang="en" sz="1200" dirty="0">
+              <a:rPr lang="en" sz="1400" dirty="0">
                 <a:solidFill>
                   <a:srgbClr val="000000"/>
                 </a:solidFill>
@@ -8585,7 +8699,7 @@
               <a:t> Email is also to be used for company/help desk business only</a:t>
             </a:r>
             <a:r>
-              <a:rPr lang="en" sz="1200" b="1" dirty="0">
+              <a:rPr lang="en" sz="1400" b="1" dirty="0">
                 <a:solidFill>
                   <a:srgbClr val="000000"/>
                 </a:solidFill>
@@ -8597,7 +8711,7 @@
               <a:t>. You are not to conduct any personal business using company computers or email. </a:t>
             </a:r>
             <a:r>
-              <a:rPr lang="en" sz="1200" dirty="0">
+              <a:rPr lang="en" sz="1400" dirty="0">
                 <a:solidFill>
                   <a:srgbClr val="000000"/>
                 </a:solidFill>
@@ -8609,7 +8723,7 @@
               <a:t>Non-business related emails waste company and employee time and attention.  </a:t>
             </a:r>
             <a:r>
-              <a:rPr lang="en" sz="1200" b="1" dirty="0">
+              <a:rPr lang="en" sz="1400" b="1" dirty="0">
                 <a:solidFill>
                   <a:srgbClr val="000000"/>
                 </a:solidFill>
@@ -8621,7 +8735,7 @@
               <a:t>Any email content that discriminates any protected classification including age, race, color, religion, sec, national origin, disability, genetic information, sexual preference and even weight is prohibited</a:t>
             </a:r>
             <a:r>
-              <a:rPr lang="en" sz="1200" b="1" dirty="0" smtClean="0">
+              <a:rPr lang="en" sz="1400" b="1" dirty="0" smtClean="0">
                 <a:solidFill>
                   <a:srgbClr val="000000"/>
                 </a:solidFill>
@@ -8640,7 +8754,7 @@
               </a:spcBef>
               <a:buNone/>
             </a:pPr>
-            <a:endParaRPr lang="en" sz="1200" dirty="0">
+            <a:endParaRPr lang="en" sz="1400" dirty="0">
               <a:solidFill>
                 <a:srgbClr val="000000"/>
               </a:solidFill>
@@ -8663,7 +8777,7 @@
               <a:buNone/>
             </a:pPr>
             <a:r>
-              <a:rPr lang="en" sz="1200" b="1" dirty="0">
+              <a:rPr lang="en" sz="1400" b="1" dirty="0">
                 <a:solidFill>
                   <a:srgbClr val="000000"/>
                 </a:solidFill>
@@ -8675,7 +8789,7 @@
               <a:t>Keep in mind that the company owns any communication that is sent via email or otherwise stored on company equipment, such as computers, flash drives, or external hard drives.</a:t>
             </a:r>
             <a:r>
-              <a:rPr lang="en" sz="1200" dirty="0">
+              <a:rPr lang="en" sz="1400" dirty="0">
                 <a:solidFill>
                   <a:srgbClr val="000000"/>
                 </a:solidFill>
@@ -8687,7 +8801,7 @@
               <a:t> Management and other authorized staff have the right to access your email or material on your computer at any time. </a:t>
             </a:r>
             <a:r>
-              <a:rPr lang="en" sz="1200" b="1" dirty="0">
+              <a:rPr lang="en" sz="1400" b="1" dirty="0">
                 <a:solidFill>
                   <a:srgbClr val="000000"/>
                 </a:solidFill>
@@ -8699,7 +8813,7 @@
               <a:t>Please do not consider your electronic communication, storage, connection, or access to be private if it is created or stored on work systems and servers</a:t>
             </a:r>
             <a:r>
-              <a:rPr lang="en" sz="1200" b="1" dirty="0" smtClean="0">
+              <a:rPr lang="en" sz="1400" b="1" dirty="0" smtClean="0">
                 <a:solidFill>
                   <a:srgbClr val="000000"/>
                 </a:solidFill>
@@ -8723,7 +8837,7 @@
               <a:buFont typeface="Arial"/>
               <a:buNone/>
             </a:pPr>
-            <a:endParaRPr lang="en" sz="1200" dirty="0">
+            <a:endParaRPr lang="en" sz="1400" dirty="0">
               <a:solidFill>
                 <a:srgbClr val="000000"/>
               </a:solidFill>
@@ -8746,7 +8860,7 @@
               <a:buNone/>
             </a:pPr>
             <a:r>
-              <a:rPr lang="en" sz="1200" dirty="0">
+              <a:rPr lang="en" sz="1400" dirty="0">
                 <a:solidFill>
                   <a:srgbClr val="000000"/>
                 </a:solidFill>
@@ -8758,7 +8872,7 @@
               <a:t>Internet use on company time using devices that are connected to the company network is authorized to conduct company business only. </a:t>
             </a:r>
             <a:r>
-              <a:rPr lang="en" sz="1200" b="1" dirty="0">
+              <a:rPr lang="en" sz="1400" b="1" dirty="0">
                 <a:solidFill>
                   <a:srgbClr val="000000"/>
                 </a:solidFill>
@@ -9713,7 +9827,7 @@
               <a:buNone/>
             </a:pPr>
             <a:r>
-              <a:rPr lang="en" sz="1400" dirty="0">
+              <a:rPr lang="en" sz="1600" dirty="0">
                 <a:solidFill>
                   <a:schemeClr val="dk1"/>
                 </a:solidFill>
@@ -9725,7 +9839,7 @@
               <a:t>As tickets are made, the must be assigned to a technician in order to be resolved and closed.</a:t>
             </a:r>
             <a:r>
-              <a:rPr lang="en" sz="1400" b="1" dirty="0">
+              <a:rPr lang="en" sz="1600" b="1" dirty="0">
                 <a:solidFill>
                   <a:schemeClr val="dk1"/>
                 </a:solidFill>
@@ -9737,7 +9851,7 @@
               <a:t> But what technicians will take what tickets? This may also be a matter of which technician is trained in what areas</a:t>
             </a:r>
             <a:r>
-              <a:rPr lang="en" sz="1400" dirty="0">
+              <a:rPr lang="en" sz="1600" dirty="0">
                 <a:solidFill>
                   <a:schemeClr val="dk1"/>
                 </a:solidFill>
@@ -9749,7 +9863,7 @@
               <a:t>, otherwise known as specialists. One technician may know more about hardware problems than others, hence, they would receive a hardware issue ticket</a:t>
             </a:r>
             <a:r>
-              <a:rPr lang="en" sz="1400" dirty="0" smtClean="0">
+              <a:rPr lang="en" sz="1600" dirty="0" smtClean="0">
                 <a:solidFill>
                   <a:schemeClr val="dk1"/>
                 </a:solidFill>
@@ -9773,7 +9887,7 @@
               <a:buFont typeface="Arial"/>
               <a:buNone/>
             </a:pPr>
-            <a:endParaRPr lang="en" sz="1400" dirty="0">
+            <a:endParaRPr lang="en" sz="1600" dirty="0">
               <a:solidFill>
                 <a:schemeClr val="dk1"/>
               </a:solidFill>
@@ -9796,7 +9910,7 @@
               <a:buNone/>
             </a:pPr>
             <a:r>
-              <a:rPr lang="en" sz="1400" dirty="0">
+              <a:rPr lang="en" sz="1600" dirty="0">
                 <a:solidFill>
                   <a:schemeClr val="dk1"/>
                 </a:solidFill>
@@ -9808,7 +9922,7 @@
               <a:t>As we do not have an automatic ticket assignment process available, </a:t>
             </a:r>
             <a:r>
-              <a:rPr lang="en" sz="1400" b="1" dirty="0">
+              <a:rPr lang="en" sz="1600" b="1" dirty="0">
                 <a:solidFill>
                   <a:schemeClr val="dk1"/>
                 </a:solidFill>
@@ -9820,7 +9934,7 @@
               <a:t>the ticket should be submitted without assignment and allow all agents to provide input and decide ticket assignment</a:t>
             </a:r>
             <a:r>
-              <a:rPr lang="en" sz="1400" dirty="0">
+              <a:rPr lang="en" sz="1600" dirty="0">
                 <a:solidFill>
                   <a:schemeClr val="dk1"/>
                 </a:solidFill>
@@ -9832,7 +9946,7 @@
               <a:t>. It will also allow the technician with better knowledge about a certain topic to claim the ticket rather than have it automatically assigned to another technician that may not know as much</a:t>
             </a:r>
             <a:r>
-              <a:rPr lang="en" sz="1400" dirty="0" smtClean="0">
+              <a:rPr lang="en" sz="1600" dirty="0" smtClean="0">
                 <a:solidFill>
                   <a:schemeClr val="dk1"/>
                 </a:solidFill>
@@ -9856,7 +9970,7 @@
               <a:buFont typeface="Arial"/>
               <a:buNone/>
             </a:pPr>
-            <a:endParaRPr lang="en" sz="1400" dirty="0">
+            <a:endParaRPr lang="en" sz="1600" dirty="0">
               <a:solidFill>
                 <a:schemeClr val="dk1"/>
               </a:solidFill>
@@ -9879,7 +9993,7 @@
               <a:buNone/>
             </a:pPr>
             <a:r>
-              <a:rPr lang="en" sz="1400" b="1" dirty="0">
+              <a:rPr lang="en" sz="1600" b="1" dirty="0">
                 <a:solidFill>
                   <a:schemeClr val="dk1"/>
                 </a:solidFill>
